--- a/note-to-self-michael-kinsley.pptx
+++ b/note-to-self-michael-kinsley.pptx
@@ -5097,7 +5097,7 @@
       </p:pic>
       <p:sp>
         <p:nvSpPr>
-          <p:cNvPr id="197" name="&lt;https://www.icloud.com/keynote/0NS1CC0oX3WwfiGNVGIuNYsGA&gt; &lt;https://www.nytimes.com/2017/07/29/opinion/sunday/we-asked-people-to-say-something-nice-about-trump-heres-what-we-heard.html&gt; 2020-11-01"/>
+          <p:cNvPr id="197" name="&lt; https://www.icloud.com/keynote/0H6tSh1b1PeoKbJdZu5sSLDsg&gt; &lt;https://www.nytimes.com/2017/07/29/opinion/sunday/we-asked-people-to-say-something-nice-about-trump-heres-what-we-heard.html&gt; 2020-11-01"/>
           <p:cNvSpPr txBox="1"/>
           <p:nvPr/>
         </p:nvSpPr>
@@ -5144,11 +5144,20 @@
               </a:defRPr>
             </a:pPr>
             <a:r>
-              <a:t>&lt;https://www.icloud.com/keynote/0NS1CC0oX3WwfiGNVGIuNYsGA&gt; &lt;</a:t>
+              <a:t>&lt; </a:t>
             </a:r>
             <a:r>
               <a:rPr u="sng">
                 <a:hlinkClick r:id="rId4" invalidUrl="" action="" tgtFrame="" tooltip="" history="1" highlightClick="0" endSnd="0"/>
+              </a:rPr>
+              <a:t>https://www.icloud.com/keynote/0H6tSh1b1PeoKbJdZu5sSLDsg</a:t>
+            </a:r>
+            <a:r>
+              <a:t>&gt; &lt;</a:t>
+            </a:r>
+            <a:r>
+              <a:rPr u="sng">
+                <a:hlinkClick r:id="rId5" invalidUrl="" action="" tgtFrame="" tooltip="" history="1" highlightClick="0" endSnd="0"/>
               </a:rPr>
               <a:t>https://www.nytimes.com/2017/07/29/opinion/sunday/we-asked-people-to-say-something-nice-about-trump-heres-what-we-heard.html</a:t>
             </a:r>
@@ -5408,7 +5417,7 @@
             </a:r>
             <a:r>
               <a:rPr u="sng">
-                <a:hlinkClick r:id="rId4" invalidUrl="" action="" tgtFrame="" tooltip="" history="1" highlightClick="0" endSnd="0"/>
+                <a:hlinkClick r:id="rId5" invalidUrl="" action="" tgtFrame="" tooltip="" history="1" highlightClick="0" endSnd="0"/>
               </a:rPr>
               <a:t>https://www.nytimes.com/2017/07/29/opinion/sunday/we-asked-people-to-say-something-nice-about-trump-heres-what-we-heard.html</a:t>
             </a:r>
@@ -5543,7 +5552,7 @@
           <p:nvPr/>
         </p:nvPicPr>
         <p:blipFill>
-          <a:blip r:embed="rId5">
+          <a:blip r:embed="rId6">
             <a:extLst/>
           </a:blip>
           <a:srcRect l="0" t="22933" r="0" b="0"/>
@@ -5573,7 +5582,7 @@
           <p:nvPr/>
         </p:nvPicPr>
         <p:blipFill>
-          <a:blip r:embed="rId6">
+          <a:blip r:embed="rId7">
             <a:extLst/>
           </a:blip>
           <a:stretch>
@@ -5602,7 +5611,7 @@
           <p:nvPr/>
         </p:nvPicPr>
         <p:blipFill>
-          <a:blip r:embed="rId7">
+          <a:blip r:embed="rId8">
             <a:extLst/>
           </a:blip>
           <a:stretch>
